--- a/Hackathon_UserStories.pptx
+++ b/Hackathon_UserStories.pptx
@@ -8300,6 +8300,21 @@
 <file path=ppt/slides/slide1.xml><?xml version="1.0" encoding="utf-8"?>
 <p:sld xmlns:a="http://schemas.openxmlformats.org/drawingml/2006/main" xmlns:r="http://schemas.openxmlformats.org/officeDocument/2006/relationships" xmlns:p="http://schemas.openxmlformats.org/presentationml/2006/main">
   <p:cSld>
+    <p:bg>
+      <p:bgPr>
+        <a:blipFill dpi="0" rotWithShape="1">
+          <a:blip r:embed="rId2">
+            <a:alphaModFix amt="90000"/>
+            <a:lum/>
+          </a:blip>
+          <a:srcRect/>
+          <a:stretch>
+            <a:fillRect t="-11000" b="-11000"/>
+          </a:stretch>
+        </a:blipFill>
+        <a:effectLst/>
+      </p:bgPr>
+    </p:bg>
     <p:spTree>
       <p:nvGrpSpPr>
         <p:cNvPr id="1" name=""/>
@@ -8316,96 +8331,13 @@
       </p:grpSpPr>
       <p:sp>
         <p:nvSpPr>
-          <p:cNvPr id="3" name="Subtitle 2"/>
-          <p:cNvSpPr>
-            <a:spLocks noGrp="1"/>
-          </p:cNvSpPr>
-          <p:nvPr>
-            <p:ph type="subTitle" idx="1"/>
-          </p:nvPr>
-        </p:nvSpPr>
-        <p:spPr/>
-        <p:txBody>
-          <a:bodyPr/>
-          <a:lstStyle/>
-          <a:p>
-            <a:endParaRPr lang="en-IN"/>
-          </a:p>
-        </p:txBody>
-      </p:sp>
-      <p:pic>
-        <p:nvPicPr>
-          <p:cNvPr id="1026" name="Picture 2"/>
-          <p:cNvPicPr>
-            <a:picLocks noChangeAspect="1" noChangeArrowheads="1"/>
-          </p:cNvPicPr>
-          <p:nvPr/>
-        </p:nvPicPr>
-        <p:blipFill>
-          <a:blip r:embed="rId2">
-            <a:extLst>
-              <a:ext uri="{28A0092B-C50C-407E-A947-70E740481C1C}">
-                <a14:useLocalDpi xmlns:a14="http://schemas.microsoft.com/office/drawing/2010/main" val="0"/>
-              </a:ext>
-            </a:extLst>
-          </a:blip>
-          <a:srcRect/>
-          <a:stretch>
-            <a:fillRect/>
-          </a:stretch>
-        </p:blipFill>
-        <p:spPr bwMode="auto">
-          <a:xfrm>
-            <a:off x="0" y="0"/>
-            <a:ext cx="9144000" cy="6858000"/>
-          </a:xfrm>
-          <a:prstGeom prst="rect">
-            <a:avLst/>
-          </a:prstGeom>
-          <a:noFill/>
-          <a:ln>
-            <a:noFill/>
-          </a:ln>
-          <a:effectLst/>
-          <a:extLst>
-            <a:ext uri="{909E8E84-426E-40DD-AFC4-6F175D3DCCD1}">
-              <a14:hiddenFill xmlns:a14="http://schemas.microsoft.com/office/drawing/2010/main">
-                <a:solidFill>
-                  <a:schemeClr val="accent1"/>
-                </a:solidFill>
-              </a14:hiddenFill>
-            </a:ext>
-            <a:ext uri="{91240B29-F687-4F45-9708-019B960494DF}">
-              <a14:hiddenLine xmlns:a14="http://schemas.microsoft.com/office/drawing/2010/main" w="9525">
-                <a:solidFill>
-                  <a:schemeClr val="tx1"/>
-                </a:solidFill>
-                <a:miter lim="800000"/>
-                <a:headEnd/>
-                <a:tailEnd/>
-              </a14:hiddenLine>
-            </a:ext>
-            <a:ext uri="{AF507438-7753-43E0-B8FC-AC1667EBCBE1}">
-              <a14:hiddenEffects xmlns:a14="http://schemas.microsoft.com/office/drawing/2010/main">
-                <a:effectLst>
-                  <a:outerShdw dist="35921" dir="2700000" algn="ctr" rotWithShape="0">
-                    <a:schemeClr val="bg2"/>
-                  </a:outerShdw>
-                </a:effectLst>
-              </a14:hiddenEffects>
-            </a:ext>
-          </a:extLst>
-        </p:spPr>
-      </p:pic>
-      <p:sp>
-        <p:nvSpPr>
           <p:cNvPr id="4" name="TextBox 3"/>
           <p:cNvSpPr txBox="1"/>
           <p:nvPr/>
         </p:nvSpPr>
         <p:spPr>
           <a:xfrm>
-            <a:off x="5615608" y="6122474"/>
+            <a:off x="323528" y="5733256"/>
             <a:ext cx="3435812" cy="707886"/>
           </a:xfrm>
           <a:prstGeom prst="rect">
@@ -8482,7 +8414,7 @@
         </p:blipFill>
         <p:spPr bwMode="auto">
           <a:xfrm>
-            <a:off x="5724128" y="4409803"/>
+            <a:off x="467544" y="4027156"/>
             <a:ext cx="2391188" cy="1712671"/>
           </a:xfrm>
           <a:prstGeom prst="rect">
@@ -8680,11 +8612,12 @@
       <p:bgPr>
         <a:blipFill dpi="0" rotWithShape="1">
           <a:blip r:embed="rId2">
+            <a:alphaModFix amt="20000"/>
             <a:lum/>
           </a:blip>
           <a:srcRect/>
           <a:stretch>
-            <a:fillRect l="-41000" r="-41000"/>
+            <a:fillRect l="-21000" r="-21000"/>
           </a:stretch>
         </a:blipFill>
         <a:effectLst/>
@@ -8722,12 +8655,12 @@
         </p:spPr>
         <p:txBody>
           <a:bodyPr>
-            <a:normAutofit lnSpcReduction="10000"/>
+            <a:normAutofit fontScale="92500"/>
           </a:bodyPr>
           <a:lstStyle/>
           <a:p>
             <a:r>
-              <a:rPr lang="en-IN" sz="2400" dirty="0" smtClean="0"/>
+              <a:rPr lang="en-IN" sz="2400" b="1" dirty="0" smtClean="0"/>
               <a:t>In today’s Commercial Banking landscape, there are strategic growth opportunities with diverse customers. Wells Fargo has innovative programs to support women and minority–owned business with banking products for near and longer term growth.</a:t>
             </a:r>
           </a:p>
@@ -8735,20 +8668,20 @@
             <a:pPr marL="0" indent="0">
               <a:buNone/>
             </a:pPr>
-            <a:endParaRPr lang="en-IN" sz="2400" dirty="0" smtClean="0"/>
+            <a:endParaRPr lang="en-IN" sz="2400" b="1" dirty="0" smtClean="0"/>
           </a:p>
           <a:p>
             <a:r>
-              <a:rPr lang="en-IN" sz="2400" dirty="0" smtClean="0"/>
+              <a:rPr lang="en-IN" sz="2400" b="1" dirty="0" smtClean="0"/>
               <a:t>In order to better serve these customers or prospects, Wells Fargo needs an effective and automated technology tool(s) to identify the diversity dimensions of the ownership and/or the leadership of these commercial customers and/or prospects.</a:t>
             </a:r>
           </a:p>
           <a:p>
-            <a:endParaRPr lang="en-IN" sz="2400" dirty="0"/>
+            <a:endParaRPr lang="en-IN" sz="2400" b="1" dirty="0"/>
           </a:p>
           <a:p>
             <a:r>
-              <a:rPr lang="en-IN" sz="2400" dirty="0" smtClean="0"/>
+              <a:rPr lang="en-IN" sz="2400" b="1" dirty="0" smtClean="0"/>
               <a:t>Currently this data is being combed from customer and prospect websites and other public data in a manual fashion. A new technology or tool will increase efficiency of this effort, reduce potential human bias, and generate more potential opportunities for diverse customer engagement.</a:t>
             </a:r>
           </a:p>
@@ -8780,11 +8713,12 @@
       <p:bgPr>
         <a:blipFill dpi="0" rotWithShape="1">
           <a:blip r:embed="rId2">
+            <a:alphaModFix amt="20000"/>
             <a:lum/>
           </a:blip>
           <a:srcRect/>
           <a:stretch>
-            <a:fillRect l="-41000" r="-41000"/>
+            <a:fillRect l="-21000" r="-21000"/>
           </a:stretch>
         </a:blipFill>
         <a:effectLst/>
@@ -8830,7 +8764,7 @@
               <a:buNone/>
             </a:pPr>
             <a:r>
-              <a:rPr lang="en-IN" sz="2200" dirty="0" smtClean="0"/>
+              <a:rPr lang="en-IN" sz="2200" b="1" dirty="0" smtClean="0"/>
               <a:t>The scope of this challenge include diverse owned or led businesses.</a:t>
             </a:r>
           </a:p>
@@ -8839,7 +8773,7 @@
               <a:buNone/>
             </a:pPr>
             <a:r>
-              <a:rPr lang="en-IN" sz="2200" dirty="0" smtClean="0"/>
+              <a:rPr lang="en-IN" sz="2200" b="1" dirty="0" smtClean="0"/>
               <a:t>Diverse-Owned businesses include:</a:t>
             </a:r>
           </a:p>
@@ -8847,41 +8781,41 @@
             <a:pPr marL="0" indent="0">
               <a:buNone/>
             </a:pPr>
-            <a:endParaRPr lang="en-IN" sz="2200" dirty="0"/>
+            <a:endParaRPr lang="en-IN" sz="2200" b="1" dirty="0"/>
           </a:p>
           <a:p>
             <a:r>
-              <a:rPr lang="en-IN" sz="2200" dirty="0" smtClean="0"/>
+              <a:rPr lang="en-IN" sz="2200" b="1" dirty="0" smtClean="0"/>
               <a:t>Minority Owned: where a business is more than 50% owned and controlled by individuals who are Black or African American, Hispanic or Latino , Native American or Indigenous, Asian-Pacific Americans and Asian-Indian Americans</a:t>
             </a:r>
           </a:p>
           <a:p>
             <a:r>
-              <a:rPr lang="en-IN" sz="2200" dirty="0" smtClean="0"/>
+              <a:rPr lang="en-IN" sz="2200" b="1" dirty="0" smtClean="0"/>
               <a:t>Women Owned : where a business is more than50% owned and controlled by a person with disability, regardless of their ethnic background.</a:t>
             </a:r>
           </a:p>
           <a:p>
             <a:r>
-              <a:rPr lang="en-IN" sz="2200" dirty="0" smtClean="0"/>
+              <a:rPr lang="en-IN" sz="2200" b="1" dirty="0" smtClean="0"/>
               <a:t>LGBTQIA+ Owned : where a business is more than 50% owned and controlled by a person who identifies as lesbian , gay , bisexual , transgender , queer, intersex, or asexual regardless of ethnic background.</a:t>
             </a:r>
           </a:p>
           <a:p>
             <a:r>
-              <a:rPr lang="en-IN" sz="2200" dirty="0" smtClean="0"/>
+              <a:rPr lang="en-IN" sz="2200" b="1" dirty="0" smtClean="0"/>
               <a:t>Veteran Owned : where a business is more than 50% owned and controlled by individuals who are veterans regardless of their ethnic background </a:t>
             </a:r>
           </a:p>
           <a:p>
-            <a:endParaRPr lang="en-IN" sz="2200" dirty="0" smtClean="0"/>
+            <a:endParaRPr lang="en-IN" sz="2200" b="1" dirty="0" smtClean="0"/>
           </a:p>
           <a:p>
             <a:pPr marL="0" indent="0">
               <a:buNone/>
             </a:pPr>
             <a:r>
-              <a:rPr lang="en-IN" sz="2200" dirty="0" smtClean="0"/>
+              <a:rPr lang="en-IN" sz="2200" b="1" dirty="0" smtClean="0"/>
               <a:t>       </a:t>
             </a:r>
           </a:p>
@@ -8907,11 +8841,12 @@
       <p:bgPr>
         <a:blipFill dpi="0" rotWithShape="1">
           <a:blip r:embed="rId2">
+            <a:alphaModFix amt="20000"/>
             <a:lum/>
           </a:blip>
           <a:srcRect/>
           <a:stretch>
-            <a:fillRect l="-41000" r="-41000"/>
+            <a:fillRect l="-21000" r="-21000"/>
           </a:stretch>
         </a:blipFill>
         <a:effectLst/>
@@ -8972,7 +8907,7 @@
           <a:lstStyle/>
           <a:p>
             <a:r>
-              <a:rPr lang="en-IN" sz="2400" dirty="0" smtClean="0"/>
+              <a:rPr lang="en-IN" sz="2400" b="1" dirty="0" smtClean="0"/>
               <a:t>This challenge anchors around leveraging technology , technology intelligence and potentially ethical AI or development tools to identify diverse owned , or led businesses.</a:t>
             </a:r>
           </a:p>
@@ -8980,11 +8915,11 @@
             <a:pPr marL="0" indent="0">
               <a:buNone/>
             </a:pPr>
-            <a:endParaRPr lang="en-IN" sz="2400" dirty="0"/>
+            <a:endParaRPr lang="en-IN" sz="2400" b="1" dirty="0"/>
           </a:p>
           <a:p>
             <a:r>
-              <a:rPr lang="en-IN" sz="2400" dirty="0" smtClean="0"/>
+              <a:rPr lang="en-IN" sz="2400" b="1" dirty="0" smtClean="0"/>
               <a:t>Accuracy of insights and data gathering ; speed of execution and ability to source national or global diverse customer opportunities is key. Removing bias and ensuring optimal diverse customer identification is essential for success.</a:t>
             </a:r>
           </a:p>

--- a/Hackathon_UserStories.pptx
+++ b/Hackathon_UserStories.pptx
@@ -5,7 +5,7 @@
     <p:sldMasterId id="2147483828" r:id="rId1"/>
   </p:sldMasterIdLst>
   <p:notesMasterIdLst>
-    <p:notesMasterId r:id="rId11"/>
+    <p:notesMasterId r:id="rId12"/>
   </p:notesMasterIdLst>
   <p:sldIdLst>
     <p:sldId id="260" r:id="rId2"/>
@@ -16,7 +16,8 @@
     <p:sldId id="256" r:id="rId7"/>
     <p:sldId id="257" r:id="rId8"/>
     <p:sldId id="264" r:id="rId9"/>
-    <p:sldId id="261" r:id="rId10"/>
+    <p:sldId id="268" r:id="rId10"/>
+    <p:sldId id="261" r:id="rId11"/>
   </p:sldIdLst>
   <p:sldSz cx="9144000" cy="6858000" type="screen4x3"/>
   <p:notesSz cx="6858000" cy="9144000"/>
@@ -1833,6 +1834,13 @@
         </dgm:presLayoutVars>
       </dgm:prSet>
       <dgm:spPr/>
+      <dgm:t>
+        <a:bodyPr/>
+        <a:lstStyle/>
+        <a:p>
+          <a:endParaRPr lang="en-IN"/>
+        </a:p>
+      </dgm:t>
     </dgm:pt>
     <dgm:pt modelId="{AEC3ABFC-26A0-4628-8257-6A436CD557E6}" type="pres">
       <dgm:prSet presAssocID="{16819155-D0D1-4EBD-BA9D-A89F49A264A9}" presName="linNode" presStyleCnt="0"/>
@@ -1861,20 +1869,27 @@
         </dgm:presLayoutVars>
       </dgm:prSet>
       <dgm:spPr/>
+      <dgm:t>
+        <a:bodyPr/>
+        <a:lstStyle/>
+        <a:p>
+          <a:endParaRPr lang="en-IN"/>
+        </a:p>
+      </dgm:t>
     </dgm:pt>
   </dgm:ptLst>
   <dgm:cxnLst>
-    <dgm:cxn modelId="{DB659028-C2C1-4F39-B1ED-4CCD96F2CD41}" type="presOf" srcId="{FE67F963-5058-4A35-AB27-9F8AF531A27D}" destId="{DB3E3408-C8D3-4932-B471-DC776842E63B}" srcOrd="0" destOrd="0" presId="urn:microsoft.com/office/officeart/2005/8/layout/vList5"/>
-    <dgm:cxn modelId="{A6D94F01-3203-42EA-BFD8-9EE591A5D939}" type="presOf" srcId="{16819155-D0D1-4EBD-BA9D-A89F49A264A9}" destId="{760EBDAB-7826-4C3E-A92C-091CB7CF1E69}" srcOrd="0" destOrd="0" presId="urn:microsoft.com/office/officeart/2005/8/layout/vList5"/>
-    <dgm:cxn modelId="{3A187E62-23EF-4950-A20C-0D6AC54AA41F}" srcId="{007E74F5-9DEB-49D6-8AAC-C7B2653A6DE8}" destId="{57D8CE26-EDFF-4E78-9756-B1354EABC886}" srcOrd="0" destOrd="0" parTransId="{3907665E-69E7-4298-A6B9-7FB42FD0B6E4}" sibTransId="{FC199673-55C2-4534-9B6E-5AC9F440A5CA}"/>
-    <dgm:cxn modelId="{847EE184-0045-488D-83DD-1D47D0780B0B}" type="presOf" srcId="{007E74F5-9DEB-49D6-8AAC-C7B2653A6DE8}" destId="{CEF7963F-3354-472F-B9DB-48237F698DF2}" srcOrd="0" destOrd="0" presId="urn:microsoft.com/office/officeart/2005/8/layout/vList5"/>
+    <dgm:cxn modelId="{1C591048-BD1D-48B4-9EFD-3D30F738B29B}" type="presOf" srcId="{388DFFD4-261E-4662-8AEA-EF0DCDC8AA4E}" destId="{CEF7963F-3354-472F-B9DB-48237F698DF2}" srcOrd="0" destOrd="2" presId="urn:microsoft.com/office/officeart/2005/8/layout/vList5"/>
+    <dgm:cxn modelId="{FF82B853-45A1-43A9-9306-F844417D68F4}" srcId="{16819155-D0D1-4EBD-BA9D-A89F49A264A9}" destId="{007E74F5-9DEB-49D6-8AAC-C7B2653A6DE8}" srcOrd="0" destOrd="0" parTransId="{986D2AE3-44C0-4CB3-8A92-D07FC4669904}" sibTransId="{6861C784-515B-42AE-8671-04AA7B822890}"/>
+    <dgm:cxn modelId="{250EBBC7-476A-4AA2-824B-A3EAC514DBEA}" srcId="{16819155-D0D1-4EBD-BA9D-A89F49A264A9}" destId="{442340ED-79CD-4919-A009-B26C4374C554}" srcOrd="1" destOrd="0" parTransId="{7379568B-41B6-4D87-9D48-8F0A5DF4A3C7}" sibTransId="{10CB21DF-A043-4196-A7F9-37AD4F74DEB5}"/>
     <dgm:cxn modelId="{D26D87F3-4811-4DAC-BAF7-B4B826FAE023}" type="presOf" srcId="{442340ED-79CD-4919-A009-B26C4374C554}" destId="{CEF7963F-3354-472F-B9DB-48237F698DF2}" srcOrd="0" destOrd="3" presId="urn:microsoft.com/office/officeart/2005/8/layout/vList5"/>
     <dgm:cxn modelId="{5FDBC988-C567-44D0-86B6-6E062B6EFF4F}" srcId="{FE67F963-5058-4A35-AB27-9F8AF531A27D}" destId="{16819155-D0D1-4EBD-BA9D-A89F49A264A9}" srcOrd="0" destOrd="0" parTransId="{E06DA603-9198-433E-A272-35C9C27608A5}" sibTransId="{DEC62B3C-AAF3-45EB-AD4F-CEC2042125D6}"/>
+    <dgm:cxn modelId="{9069CAD7-34D1-4FEA-BF23-6AB7281D6D29}" srcId="{007E74F5-9DEB-49D6-8AAC-C7B2653A6DE8}" destId="{388DFFD4-261E-4662-8AEA-EF0DCDC8AA4E}" srcOrd="1" destOrd="0" parTransId="{EED1D912-6353-4E08-838E-F3AC329A9A3C}" sibTransId="{0848D80F-F3B7-42A1-99F0-D074D9896470}"/>
+    <dgm:cxn modelId="{A6D94F01-3203-42EA-BFD8-9EE591A5D939}" type="presOf" srcId="{16819155-D0D1-4EBD-BA9D-A89F49A264A9}" destId="{760EBDAB-7826-4C3E-A92C-091CB7CF1E69}" srcOrd="0" destOrd="0" presId="urn:microsoft.com/office/officeart/2005/8/layout/vList5"/>
+    <dgm:cxn modelId="{847EE184-0045-488D-83DD-1D47D0780B0B}" type="presOf" srcId="{007E74F5-9DEB-49D6-8AAC-C7B2653A6DE8}" destId="{CEF7963F-3354-472F-B9DB-48237F698DF2}" srcOrd="0" destOrd="0" presId="urn:microsoft.com/office/officeart/2005/8/layout/vList5"/>
     <dgm:cxn modelId="{57D5D9B7-DEA9-42C3-8AC4-71B50F6C7EE9}" type="presOf" srcId="{57D8CE26-EDFF-4E78-9756-B1354EABC886}" destId="{CEF7963F-3354-472F-B9DB-48237F698DF2}" srcOrd="0" destOrd="1" presId="urn:microsoft.com/office/officeart/2005/8/layout/vList5"/>
-    <dgm:cxn modelId="{FF82B853-45A1-43A9-9306-F844417D68F4}" srcId="{16819155-D0D1-4EBD-BA9D-A89F49A264A9}" destId="{007E74F5-9DEB-49D6-8AAC-C7B2653A6DE8}" srcOrd="0" destOrd="0" parTransId="{986D2AE3-44C0-4CB3-8A92-D07FC4669904}" sibTransId="{6861C784-515B-42AE-8671-04AA7B822890}"/>
-    <dgm:cxn modelId="{9069CAD7-34D1-4FEA-BF23-6AB7281D6D29}" srcId="{007E74F5-9DEB-49D6-8AAC-C7B2653A6DE8}" destId="{388DFFD4-261E-4662-8AEA-EF0DCDC8AA4E}" srcOrd="1" destOrd="0" parTransId="{EED1D912-6353-4E08-838E-F3AC329A9A3C}" sibTransId="{0848D80F-F3B7-42A1-99F0-D074D9896470}"/>
-    <dgm:cxn modelId="{1C591048-BD1D-48B4-9EFD-3D30F738B29B}" type="presOf" srcId="{388DFFD4-261E-4662-8AEA-EF0DCDC8AA4E}" destId="{CEF7963F-3354-472F-B9DB-48237F698DF2}" srcOrd="0" destOrd="2" presId="urn:microsoft.com/office/officeart/2005/8/layout/vList5"/>
-    <dgm:cxn modelId="{250EBBC7-476A-4AA2-824B-A3EAC514DBEA}" srcId="{16819155-D0D1-4EBD-BA9D-A89F49A264A9}" destId="{442340ED-79CD-4919-A009-B26C4374C554}" srcOrd="1" destOrd="0" parTransId="{7379568B-41B6-4D87-9D48-8F0A5DF4A3C7}" sibTransId="{10CB21DF-A043-4196-A7F9-37AD4F74DEB5}"/>
+    <dgm:cxn modelId="{3A187E62-23EF-4950-A20C-0D6AC54AA41F}" srcId="{007E74F5-9DEB-49D6-8AAC-C7B2653A6DE8}" destId="{57D8CE26-EDFF-4E78-9756-B1354EABC886}" srcOrd="0" destOrd="0" parTransId="{3907665E-69E7-4298-A6B9-7FB42FD0B6E4}" sibTransId="{FC199673-55C2-4534-9B6E-5AC9F440A5CA}"/>
+    <dgm:cxn modelId="{DB659028-C2C1-4F39-B1ED-4CCD96F2CD41}" type="presOf" srcId="{FE67F963-5058-4A35-AB27-9F8AF531A27D}" destId="{DB3E3408-C8D3-4932-B471-DC776842E63B}" srcOrd="0" destOrd="0" presId="urn:microsoft.com/office/officeart/2005/8/layout/vList5"/>
     <dgm:cxn modelId="{B0A3BA2D-52CE-4F4A-BD9A-C930D7C7BC84}" type="presParOf" srcId="{DB3E3408-C8D3-4932-B471-DC776842E63B}" destId="{AEC3ABFC-26A0-4628-8257-6A436CD557E6}" srcOrd="0" destOrd="0" presId="urn:microsoft.com/office/officeart/2005/8/layout/vList5"/>
     <dgm:cxn modelId="{2D3C5647-091D-4528-B65F-7F3D604BECC6}" type="presParOf" srcId="{AEC3ABFC-26A0-4628-8257-6A436CD557E6}" destId="{760EBDAB-7826-4C3E-A92C-091CB7CF1E69}" srcOrd="0" destOrd="0" presId="urn:microsoft.com/office/officeart/2005/8/layout/vList5"/>
     <dgm:cxn modelId="{2FCC96F2-BC0A-413C-881B-799306B0A18D}" type="presParOf" srcId="{AEC3ABFC-26A0-4628-8257-6A436CD557E6}" destId="{CEF7963F-3354-472F-B9DB-48237F698DF2}" srcOrd="1" destOrd="0" presId="urn:microsoft.com/office/officeart/2005/8/layout/vList5"/>
@@ -1992,6 +2007,13 @@
         </dgm:presLayoutVars>
       </dgm:prSet>
       <dgm:spPr/>
+      <dgm:t>
+        <a:bodyPr/>
+        <a:lstStyle/>
+        <a:p>
+          <a:endParaRPr lang="en-IN"/>
+        </a:p>
+      </dgm:t>
     </dgm:pt>
     <dgm:pt modelId="{68A17304-32AA-478A-BAE1-AFC929D9B2D3}" type="pres">
       <dgm:prSet presAssocID="{CB6F7065-065C-47A1-8AFE-07A943F71BEE}" presName="linNode" presStyleCnt="0"/>
@@ -2005,6 +2027,13 @@
         </dgm:presLayoutVars>
       </dgm:prSet>
       <dgm:spPr/>
+      <dgm:t>
+        <a:bodyPr/>
+        <a:lstStyle/>
+        <a:p>
+          <a:endParaRPr lang="en-IN"/>
+        </a:p>
+      </dgm:t>
     </dgm:pt>
     <dgm:pt modelId="{5E3FBAB0-94F3-4AB0-8992-C472EDCBF4F0}" type="pres">
       <dgm:prSet presAssocID="{CB6F7065-065C-47A1-8AFE-07A943F71BEE}" presName="descendantText" presStyleLbl="alignAccFollowNode1" presStyleIdx="0" presStyleCnt="1">
@@ -2013,6 +2042,13 @@
         </dgm:presLayoutVars>
       </dgm:prSet>
       <dgm:spPr/>
+      <dgm:t>
+        <a:bodyPr/>
+        <a:lstStyle/>
+        <a:p>
+          <a:endParaRPr lang="en-IN"/>
+        </a:p>
+      </dgm:t>
     </dgm:pt>
   </dgm:ptLst>
   <dgm:cxnLst>
@@ -5058,7 +5094,7 @@
           <a:p>
             <a:fld id="{AE2606DE-0278-421D-A761-775D675734B6}" type="datetimeFigureOut">
               <a:rPr lang="en-IN" smtClean="0"/>
-              <a:t>15-05-2022</a:t>
+              <a:t>16-05-2022</a:t>
             </a:fld>
             <a:endParaRPr lang="en-IN"/>
           </a:p>
@@ -5507,7 +5543,7 @@
           <a:p>
             <a:fld id="{DE4B40FC-0DD6-4F4E-B67C-7E8CCE1376B8}" type="datetimeFigureOut">
               <a:rPr lang="en-IN" smtClean="0"/>
-              <a:t>15-05-2022</a:t>
+              <a:t>16-05-2022</a:t>
             </a:fld>
             <a:endParaRPr lang="en-IN"/>
           </a:p>
@@ -5677,7 +5713,7 @@
           <a:p>
             <a:fld id="{DE4B40FC-0DD6-4F4E-B67C-7E8CCE1376B8}" type="datetimeFigureOut">
               <a:rPr lang="en-IN" smtClean="0"/>
-              <a:t>15-05-2022</a:t>
+              <a:t>16-05-2022</a:t>
             </a:fld>
             <a:endParaRPr lang="en-IN"/>
           </a:p>
@@ -5857,7 +5893,7 @@
           <a:p>
             <a:fld id="{DE4B40FC-0DD6-4F4E-B67C-7E8CCE1376B8}" type="datetimeFigureOut">
               <a:rPr lang="en-IN" smtClean="0"/>
-              <a:t>15-05-2022</a:t>
+              <a:t>16-05-2022</a:t>
             </a:fld>
             <a:endParaRPr lang="en-IN"/>
           </a:p>
@@ -6027,7 +6063,7 @@
           <a:p>
             <a:fld id="{DE4B40FC-0DD6-4F4E-B67C-7E8CCE1376B8}" type="datetimeFigureOut">
               <a:rPr lang="en-IN" smtClean="0"/>
-              <a:t>15-05-2022</a:t>
+              <a:t>16-05-2022</a:t>
             </a:fld>
             <a:endParaRPr lang="en-IN"/>
           </a:p>
@@ -6273,7 +6309,7 @@
           <a:p>
             <a:fld id="{DE4B40FC-0DD6-4F4E-B67C-7E8CCE1376B8}" type="datetimeFigureOut">
               <a:rPr lang="en-IN" smtClean="0"/>
-              <a:t>15-05-2022</a:t>
+              <a:t>16-05-2022</a:t>
             </a:fld>
             <a:endParaRPr lang="en-IN"/>
           </a:p>
@@ -6561,7 +6597,7 @@
           <a:p>
             <a:fld id="{DE4B40FC-0DD6-4F4E-B67C-7E8CCE1376B8}" type="datetimeFigureOut">
               <a:rPr lang="en-IN" smtClean="0"/>
-              <a:t>15-05-2022</a:t>
+              <a:t>16-05-2022</a:t>
             </a:fld>
             <a:endParaRPr lang="en-IN"/>
           </a:p>
@@ -6983,7 +7019,7 @@
           <a:p>
             <a:fld id="{DE4B40FC-0DD6-4F4E-B67C-7E8CCE1376B8}" type="datetimeFigureOut">
               <a:rPr lang="en-IN" smtClean="0"/>
-              <a:t>15-05-2022</a:t>
+              <a:t>16-05-2022</a:t>
             </a:fld>
             <a:endParaRPr lang="en-IN"/>
           </a:p>
@@ -7101,7 +7137,7 @@
           <a:p>
             <a:fld id="{DE4B40FC-0DD6-4F4E-B67C-7E8CCE1376B8}" type="datetimeFigureOut">
               <a:rPr lang="en-IN" smtClean="0"/>
-              <a:t>15-05-2022</a:t>
+              <a:t>16-05-2022</a:t>
             </a:fld>
             <a:endParaRPr lang="en-IN"/>
           </a:p>
@@ -7196,7 +7232,7 @@
           <a:p>
             <a:fld id="{DE4B40FC-0DD6-4F4E-B67C-7E8CCE1376B8}" type="datetimeFigureOut">
               <a:rPr lang="en-IN" smtClean="0"/>
-              <a:t>15-05-2022</a:t>
+              <a:t>16-05-2022</a:t>
             </a:fld>
             <a:endParaRPr lang="en-IN"/>
           </a:p>
@@ -7473,7 +7509,7 @@
           <a:p>
             <a:fld id="{DE4B40FC-0DD6-4F4E-B67C-7E8CCE1376B8}" type="datetimeFigureOut">
               <a:rPr lang="en-IN" smtClean="0"/>
-              <a:t>15-05-2022</a:t>
+              <a:t>16-05-2022</a:t>
             </a:fld>
             <a:endParaRPr lang="en-IN"/>
           </a:p>
@@ -7726,7 +7762,7 @@
           <a:p>
             <a:fld id="{DE4B40FC-0DD6-4F4E-B67C-7E8CCE1376B8}" type="datetimeFigureOut">
               <a:rPr lang="en-IN" smtClean="0"/>
-              <a:t>15-05-2022</a:t>
+              <a:t>16-05-2022</a:t>
             </a:fld>
             <a:endParaRPr lang="en-IN"/>
           </a:p>
@@ -7939,7 +7975,7 @@
           <a:p>
             <a:fld id="{DE4B40FC-0DD6-4F4E-B67C-7E8CCE1376B8}" type="datetimeFigureOut">
               <a:rPr lang="en-IN" smtClean="0"/>
-              <a:t>15-05-2022</a:t>
+              <a:t>16-05-2022</a:t>
             </a:fld>
             <a:endParaRPr lang="en-IN"/>
           </a:p>
@@ -8445,6 +8481,66 @@
 </p:sld>
 </file>
 
+<file path=ppt/slides/slide10.xml><?xml version="1.0" encoding="utf-8"?>
+<p:sld xmlns:a="http://schemas.openxmlformats.org/drawingml/2006/main" xmlns:r="http://schemas.openxmlformats.org/officeDocument/2006/relationships" xmlns:p="http://schemas.openxmlformats.org/presentationml/2006/main">
+  <p:cSld>
+    <p:spTree>
+      <p:nvGrpSpPr>
+        <p:cNvPr id="1" name=""/>
+        <p:cNvGrpSpPr/>
+        <p:nvPr/>
+      </p:nvGrpSpPr>
+      <p:grpSpPr>
+        <a:xfrm>
+          <a:off x="0" y="0"/>
+          <a:ext cx="0" cy="0"/>
+          <a:chOff x="0" y="0"/>
+          <a:chExt cx="0" cy="0"/>
+        </a:xfrm>
+      </p:grpSpPr>
+      <p:pic>
+        <p:nvPicPr>
+          <p:cNvPr id="4" name="Picture 3"/>
+          <p:cNvPicPr>
+            <a:picLocks noChangeAspect="1"/>
+          </p:cNvPicPr>
+          <p:nvPr/>
+        </p:nvPicPr>
+        <p:blipFill>
+          <a:blip r:embed="rId2">
+            <a:extLst>
+              <a:ext uri="{28A0092B-C50C-407E-A947-70E740481C1C}">
+                <a14:useLocalDpi xmlns:a14="http://schemas.microsoft.com/office/drawing/2010/main" val="0"/>
+              </a:ext>
+            </a:extLst>
+          </a:blip>
+          <a:stretch>
+            <a:fillRect/>
+          </a:stretch>
+        </p:blipFill>
+        <p:spPr>
+          <a:xfrm>
+            <a:off x="0" y="0"/>
+            <a:ext cx="9144000" cy="6858000"/>
+          </a:xfrm>
+          <a:prstGeom prst="rect">
+            <a:avLst/>
+          </a:prstGeom>
+        </p:spPr>
+      </p:pic>
+    </p:spTree>
+    <p:extLst>
+      <p:ext uri="{BB962C8B-B14F-4D97-AF65-F5344CB8AC3E}">
+        <p14:creationId xmlns:p14="http://schemas.microsoft.com/office/powerpoint/2010/main" val="970479363"/>
+      </p:ext>
+    </p:extLst>
+  </p:cSld>
+  <p:clrMapOvr>
+    <a:masterClrMapping/>
+  </p:clrMapOvr>
+</p:sld>
+</file>
+
 <file path=ppt/slides/slide2.xml><?xml version="1.0" encoding="utf-8"?>
 <p:sld xmlns:a="http://schemas.openxmlformats.org/drawingml/2006/main" xmlns:r="http://schemas.openxmlformats.org/officeDocument/2006/relationships" xmlns:p="http://schemas.openxmlformats.org/presentationml/2006/main">
   <p:cSld>
@@ -9009,15 +9105,7 @@
             </a:br>
             <a:r>
               <a:rPr lang="en-IN" sz="4900" b="1" dirty="0" smtClean="0"/>
-              <a:t>User </a:t>
-            </a:r>
-            <a:r>
-              <a:rPr lang="en-IN" sz="4900" b="1" dirty="0" smtClean="0"/>
-              <a:t>Story </a:t>
-            </a:r>
-            <a:r>
-              <a:rPr lang="en-IN" sz="4900" b="1" dirty="0" smtClean="0"/>
-              <a:t>1</a:t>
+              <a:t>User Story 1</a:t>
             </a:r>
             <a:r>
               <a:rPr lang="en-IN" sz="3200" b="1" dirty="0" smtClean="0"/>
@@ -9365,6 +9453,20 @@
 <file path=ppt/slides/slide9.xml><?xml version="1.0" encoding="utf-8"?>
 <p:sld xmlns:a="http://schemas.openxmlformats.org/drawingml/2006/main" xmlns:r="http://schemas.openxmlformats.org/officeDocument/2006/relationships" xmlns:p="http://schemas.openxmlformats.org/presentationml/2006/main">
   <p:cSld>
+    <p:bg>
+      <p:bgPr>
+        <a:blipFill dpi="0" rotWithShape="1">
+          <a:blip r:embed="rId2">
+            <a:lum/>
+          </a:blip>
+          <a:srcRect/>
+          <a:stretch>
+            <a:fillRect l="-41000" r="-41000"/>
+          </a:stretch>
+        </a:blipFill>
+        <a:effectLst/>
+      </p:bgPr>
+    </p:bg>
     <p:spTree>
       <p:nvGrpSpPr>
         <p:cNvPr id="1" name=""/>
@@ -9381,38 +9483,93 @@
       </p:grpSpPr>
       <p:pic>
         <p:nvPicPr>
-          <p:cNvPr id="4" name="Picture 3"/>
+          <p:cNvPr id="1026" name="Picture 2" descr="C:\Users\Sukant\Downloads\DataModel.jpg"/>
           <p:cNvPicPr>
-            <a:picLocks noChangeAspect="1"/>
+            <a:picLocks noChangeAspect="1" noChangeArrowheads="1"/>
           </p:cNvPicPr>
           <p:nvPr/>
         </p:nvPicPr>
         <p:blipFill>
-          <a:blip r:embed="rId2">
+          <a:blip r:embed="rId3">
             <a:extLst>
               <a:ext uri="{28A0092B-C50C-407E-A947-70E740481C1C}">
                 <a14:useLocalDpi xmlns:a14="http://schemas.microsoft.com/office/drawing/2010/main" val="0"/>
               </a:ext>
             </a:extLst>
           </a:blip>
+          <a:srcRect/>
           <a:stretch>
             <a:fillRect/>
           </a:stretch>
         </p:blipFill>
-        <p:spPr>
+        <p:spPr bwMode="auto">
           <a:xfrm>
-            <a:off x="0" y="0"/>
-            <a:ext cx="9144000" cy="6858000"/>
+            <a:off x="410103" y="1700808"/>
+            <a:ext cx="8352928" cy="4248472"/>
           </a:xfrm>
           <a:prstGeom prst="rect">
             <a:avLst/>
           </a:prstGeom>
+          <a:noFill/>
+          <a:extLst>
+            <a:ext uri="{909E8E84-426E-40DD-AFC4-6F175D3DCCD1}">
+              <a14:hiddenFill xmlns:a14="http://schemas.microsoft.com/office/drawing/2010/main">
+                <a:solidFill>
+                  <a:srgbClr val="FFFFFF"/>
+                </a:solidFill>
+              </a14:hiddenFill>
+            </a:ext>
+          </a:extLst>
         </p:spPr>
       </p:pic>
+      <p:sp>
+        <p:nvSpPr>
+          <p:cNvPr id="3" name="Pentagon 2"/>
+          <p:cNvSpPr/>
+          <p:nvPr/>
+        </p:nvSpPr>
+        <p:spPr>
+          <a:xfrm>
+            <a:off x="2270327" y="365804"/>
+            <a:ext cx="4632479" cy="720080"/>
+          </a:xfrm>
+          <a:prstGeom prst="homePlate">
+            <a:avLst/>
+          </a:prstGeom>
+        </p:spPr>
+        <p:style>
+          <a:lnRef idx="2">
+            <a:schemeClr val="accent1">
+              <a:shade val="50000"/>
+            </a:schemeClr>
+          </a:lnRef>
+          <a:fillRef idx="1">
+            <a:schemeClr val="accent1"/>
+          </a:fillRef>
+          <a:effectRef idx="0">
+            <a:schemeClr val="accent1"/>
+          </a:effectRef>
+          <a:fontRef idx="minor">
+            <a:schemeClr val="lt1"/>
+          </a:fontRef>
+        </p:style>
+        <p:txBody>
+          <a:bodyPr rtlCol="0" anchor="ctr"/>
+          <a:lstStyle/>
+          <a:p>
+            <a:pPr algn="ctr"/>
+            <a:r>
+              <a:rPr lang="en-IN" sz="4000" b="1" dirty="0" smtClean="0"/>
+              <a:t>Data Model</a:t>
+            </a:r>
+            <a:endParaRPr lang="en-IN" sz="4000" b="1" dirty="0"/>
+          </a:p>
+        </p:txBody>
+      </p:sp>
     </p:spTree>
     <p:extLst>
       <p:ext uri="{BB962C8B-B14F-4D97-AF65-F5344CB8AC3E}">
-        <p14:creationId xmlns:p14="http://schemas.microsoft.com/office/powerpoint/2010/main" val="970479363"/>
+        <p14:creationId xmlns:p14="http://schemas.microsoft.com/office/powerpoint/2010/main" val="3598199381"/>
       </p:ext>
     </p:extLst>
   </p:cSld>
